--- a/Capstone Proj 2/Capstone 2 Slides.pptx
+++ b/Capstone Proj 2/Capstone 2 Slides.pptx
@@ -124,6 +124,11 @@
       </a:defRPr>
     </a:lvl9pPr>
   </p:defaultTextStyle>
+  <p:extLst>
+    <p:ext uri="{EFAFB233-063F-42B5-8137-9DF3F51BA10A}">
+      <p15:sldGuideLst xmlns:p15="http://schemas.microsoft.com/office/powerpoint/2012/main"/>
+    </p:ext>
+  </p:extLst>
 </p:presentation>
 </file>
 
@@ -402,7 +407,7 @@
             <a:fld id="{08B9EBBA-996F-894A-B54A-D6246ED52CEA}" type="datetimeFigureOut">
               <a:rPr lang="en-US" smtClean="0"/>
               <a:pPr/>
-              <a:t>11/20/17</a:t>
+              <a:t>12/1/17</a:t>
             </a:fld>
             <a:endParaRPr lang="en-US" dirty="0"/>
           </a:p>
@@ -813,7 +818,7 @@
             <a:fld id="{09B482E8-6E0E-1B4F-B1FD-C69DB9E858D9}" type="datetimeFigureOut">
               <a:rPr lang="en-US" smtClean="0"/>
               <a:pPr/>
-              <a:t>11/20/17</a:t>
+              <a:t>12/1/17</a:t>
             </a:fld>
             <a:endParaRPr lang="en-US" dirty="0"/>
           </a:p>
@@ -1147,7 +1152,7 @@
             <a:fld id="{09B482E8-6E0E-1B4F-B1FD-C69DB9E858D9}" type="datetimeFigureOut">
               <a:rPr lang="en-US" smtClean="0"/>
               <a:pPr/>
-              <a:t>11/20/17</a:t>
+              <a:t>12/1/17</a:t>
             </a:fld>
             <a:endParaRPr lang="en-US" dirty="0"/>
           </a:p>
@@ -1550,7 +1555,7 @@
             <a:fld id="{09B482E8-6E0E-1B4F-B1FD-C69DB9E858D9}" type="datetimeFigureOut">
               <a:rPr lang="en-US" smtClean="0"/>
               <a:pPr/>
-              <a:t>11/20/17</a:t>
+              <a:t>12/1/17</a:t>
             </a:fld>
             <a:endParaRPr lang="en-US" dirty="0"/>
           </a:p>
@@ -2116,7 +2121,7 @@
             <a:fld id="{09B482E8-6E0E-1B4F-B1FD-C69DB9E858D9}" type="datetimeFigureOut">
               <a:rPr lang="en-US" smtClean="0"/>
               <a:pPr/>
-              <a:t>11/20/17</a:t>
+              <a:t>12/1/17</a:t>
             </a:fld>
             <a:endParaRPr lang="en-US" dirty="0"/>
           </a:p>
@@ -2795,7 +2800,7 @@
             <a:fld id="{09B482E8-6E0E-1B4F-B1FD-C69DB9E858D9}" type="datetimeFigureOut">
               <a:rPr lang="en-US" smtClean="0"/>
               <a:pPr/>
-              <a:t>11/20/17</a:t>
+              <a:t>12/1/17</a:t>
             </a:fld>
             <a:endParaRPr lang="en-US" dirty="0"/>
           </a:p>
@@ -3706,7 +3711,7 @@
             <a:fld id="{09B482E8-6E0E-1B4F-B1FD-C69DB9E858D9}" type="datetimeFigureOut">
               <a:rPr lang="en-US" smtClean="0"/>
               <a:pPr/>
-              <a:t>11/20/17</a:t>
+              <a:t>12/1/17</a:t>
             </a:fld>
             <a:endParaRPr lang="en-US" dirty="0"/>
           </a:p>
@@ -4017,7 +4022,7 @@
             <a:fld id="{C6C52C72-DE31-F449-A4ED-4C594FD91407}" type="datetimeFigureOut">
               <a:rPr lang="en-US" smtClean="0"/>
               <a:pPr/>
-              <a:t>11/20/17</a:t>
+              <a:t>12/1/17</a:t>
             </a:fld>
             <a:endParaRPr lang="en-US" dirty="0"/>
           </a:p>
@@ -4278,7 +4283,7 @@
             <a:fld id="{ED62726E-379B-B349-9EED-81ED093FA806}" type="datetimeFigureOut">
               <a:rPr lang="en-US" smtClean="0"/>
               <a:pPr/>
-              <a:t>11/20/17</a:t>
+              <a:t>12/1/17</a:t>
             </a:fld>
             <a:endParaRPr lang="en-US" dirty="0"/>
           </a:p>
@@ -4616,7 +4621,7 @@
             <a:fld id="{9B3A1323-8D79-1946-B0D7-40001CF92E9D}" type="datetimeFigureOut">
               <a:rPr lang="en-US" smtClean="0"/>
               <a:pPr/>
-              <a:t>11/20/17</a:t>
+              <a:t>12/1/17</a:t>
             </a:fld>
             <a:endParaRPr lang="en-US" dirty="0"/>
           </a:p>
@@ -5002,7 +5007,7 @@
             <a:fld id="{8DFA1846-DA80-1C48-A609-854EA85C59AD}" type="datetimeFigureOut">
               <a:rPr lang="en-US" smtClean="0"/>
               <a:pPr/>
-              <a:t>11/20/17</a:t>
+              <a:t>12/1/17</a:t>
             </a:fld>
             <a:endParaRPr lang="en-US" dirty="0"/>
           </a:p>
@@ -5375,7 +5380,7 @@
             <a:fld id="{57302355-E14B-8545-A8F8-0FE83CC9D524}" type="datetimeFigureOut">
               <a:rPr lang="en-US" smtClean="0"/>
               <a:pPr/>
-              <a:t>11/20/17</a:t>
+              <a:t>12/1/17</a:t>
             </a:fld>
             <a:endParaRPr lang="en-US" dirty="0"/>
           </a:p>
@@ -5878,7 +5883,7 @@
             <a:fld id="{02640F58-564D-2B4F-AE67-E407BA4FCF45}" type="datetimeFigureOut">
               <a:rPr lang="en-US" smtClean="0"/>
               <a:pPr/>
-              <a:t>11/20/17</a:t>
+              <a:t>12/1/17</a:t>
             </a:fld>
             <a:endParaRPr lang="en-US" dirty="0"/>
           </a:p>
@@ -6132,7 +6137,7 @@
             <a:fld id="{F13A34C8-038E-2045-AF43-DF7DBB8E0E9E}" type="datetimeFigureOut">
               <a:rPr lang="en-US" smtClean="0"/>
               <a:pPr/>
-              <a:t>11/20/17</a:t>
+              <a:t>12/1/17</a:t>
             </a:fld>
             <a:endParaRPr lang="en-US" dirty="0"/>
           </a:p>
@@ -6292,7 +6297,7 @@
             <a:fld id="{8818C68F-D26B-8F47-958C-23B49CF8A634}" type="datetimeFigureOut">
               <a:rPr lang="en-US" smtClean="0"/>
               <a:pPr/>
-              <a:t>11/20/17</a:t>
+              <a:t>12/1/17</a:t>
             </a:fld>
             <a:endParaRPr lang="en-US" dirty="0"/>
           </a:p>
@@ -6679,7 +6684,7 @@
             <a:fld id="{D0DF5E60-9974-AC48-9591-99C2BB44B7CF}" type="datetimeFigureOut">
               <a:rPr lang="en-US" smtClean="0"/>
               <a:pPr/>
-              <a:t>11/20/17</a:t>
+              <a:t>12/1/17</a:t>
             </a:fld>
             <a:endParaRPr lang="en-US" dirty="0"/>
           </a:p>
@@ -7085,7 +7090,7 @@
             <a:fld id="{18C79C5D-2A6F-F04D-97DA-BEF2467B64E4}" type="datetimeFigureOut">
               <a:rPr lang="en-US" smtClean="0"/>
               <a:pPr/>
-              <a:t>11/20/17</a:t>
+              <a:t>12/1/17</a:t>
             </a:fld>
             <a:endParaRPr lang="en-US" dirty="0"/>
           </a:p>
@@ -7151,9 +7156,40 @@
 <p:sldMaster xmlns:a="http://schemas.openxmlformats.org/drawingml/2006/main" xmlns:r="http://schemas.openxmlformats.org/officeDocument/2006/relationships" xmlns:p="http://schemas.openxmlformats.org/presentationml/2006/main">
   <p:cSld>
     <p:bg>
-      <p:bgRef idx="1003">
-        <a:schemeClr val="bg2"/>
-      </p:bgRef>
+      <p:bgPr>
+        <a:gradFill flip="none" rotWithShape="1">
+          <a:gsLst>
+            <a:gs pos="0">
+              <a:schemeClr val="bg2">
+                <a:tint val="96000"/>
+                <a:shade val="100000"/>
+                <a:hueMod val="92000"/>
+                <a:satMod val="200000"/>
+                <a:lumMod val="138000"/>
+              </a:schemeClr>
+            </a:gs>
+            <a:gs pos="12000">
+              <a:schemeClr val="bg2">
+                <a:shade val="100000"/>
+                <a:hueMod val="100000"/>
+                <a:satMod val="110000"/>
+                <a:lumMod val="130000"/>
+              </a:schemeClr>
+            </a:gs>
+            <a:gs pos="51000">
+              <a:schemeClr val="bg2">
+                <a:shade val="78000"/>
+                <a:hueMod val="106000"/>
+                <a:satMod val="120000"/>
+                <a:lumMod val="79000"/>
+              </a:schemeClr>
+            </a:gs>
+          </a:gsLst>
+          <a:lin ang="5400000" scaled="0"/>
+          <a:tileRect/>
+        </a:gradFill>
+        <a:effectLst/>
+      </p:bgPr>
     </p:bg>
     <p:spTree>
       <p:nvGrpSpPr>
@@ -7331,7 +7367,7 @@
             <a:fld id="{09B482E8-6E0E-1B4F-B1FD-C69DB9E858D9}" type="datetimeFigureOut">
               <a:rPr lang="en-US" smtClean="0"/>
               <a:pPr/>
-              <a:t>11/20/17</a:t>
+              <a:t>12/1/17</a:t>
             </a:fld>
             <a:endParaRPr lang="en-US" dirty="0"/>
           </a:p>
@@ -8297,13 +8333,7 @@
               <a:rPr lang="en-US" sz="2000" dirty="0">
                 <a:effectLst/>
               </a:rPr>
-              <a:t>with a gold star in the middle show a player who has been to 4 or more Super Bowls</a:t>
-            </a:r>
-            <a:r>
-              <a:rPr lang="en-US" sz="2000" dirty="0">
-                <a:effectLst/>
-              </a:rPr>
-              <a:t> </a:t>
+              <a:t>with a gold star in the middle show a player who has been to 4 or more Super Bowls </a:t>
             </a:r>
             <a:endParaRPr lang="en-US" sz="2000" dirty="0"/>
           </a:p>
@@ -14522,13 +14552,13 @@
             <p:ph idx="1"/>
             <p:extLst>
               <p:ext uri="{D42A27DB-BD31-4B8C-83A1-F6EECF244321}">
-                <p14:modId xmlns:p14="http://schemas.microsoft.com/office/powerpoint/2010/main" val="1134024979"/>
+                <p14:modId xmlns:p14="http://schemas.microsoft.com/office/powerpoint/2010/main" val="338768704"/>
               </p:ext>
             </p:extLst>
           </p:nvPr>
         </p:nvGraphicFramePr>
         <p:xfrm>
-          <a:off x="1485900" y="2122488"/>
+          <a:off x="1485900" y="2122489"/>
           <a:ext cx="8129588" cy="4314825"/>
         </p:xfrm>
         <a:graphic>
@@ -14542,7 +14572,7 @@
                 <a:gridCol w="1039976"/>
                 <a:gridCol w="4674908"/>
               </a:tblGrid>
-              <a:tr h="171252">
+              <a:tr h="204389">
                 <a:tc>
                   <a:txBody>
                     <a:bodyPr/>
@@ -14640,7 +14670,7 @@
                   <a:tcPr marL="40896" marR="40896" marT="0" marB="0" anchor="ctr"/>
                 </a:tc>
               </a:tr>
-              <a:tr h="171252">
+              <a:tr h="204389">
                 <a:tc>
                   <a:txBody>
                     <a:bodyPr/>
@@ -14738,7 +14768,7 @@
                   <a:tcPr marL="40896" marR="40896" marT="0" marB="0" anchor="ctr"/>
                 </a:tc>
               </a:tr>
-              <a:tr h="171252">
+              <a:tr h="204389">
                 <a:tc>
                   <a:txBody>
                     <a:bodyPr/>
@@ -14836,7 +14866,7 @@
                   <a:tcPr marL="40896" marR="40896" marT="0" marB="0" anchor="ctr"/>
                 </a:tc>
               </a:tr>
-              <a:tr h="171252">
+              <a:tr h="204389">
                 <a:tc>
                   <a:txBody>
                     <a:bodyPr/>
@@ -14934,7 +14964,7 @@
                   <a:tcPr marL="40896" marR="40896" marT="0" marB="0" anchor="ctr"/>
                 </a:tc>
               </a:tr>
-              <a:tr h="171252">
+              <a:tr h="204389">
                 <a:tc>
                   <a:txBody>
                     <a:bodyPr/>
@@ -15032,7 +15062,7 @@
                   <a:tcPr marL="40896" marR="40896" marT="0" marB="0" anchor="ctr"/>
                 </a:tc>
               </a:tr>
-              <a:tr h="171252">
+              <a:tr h="204389">
                 <a:tc>
                   <a:txBody>
                     <a:bodyPr/>
@@ -15130,7 +15160,7 @@
                   <a:tcPr marL="40896" marR="40896" marT="0" marB="0" anchor="ctr"/>
                 </a:tc>
               </a:tr>
-              <a:tr h="171252">
+              <a:tr h="204389">
                 <a:tc>
                   <a:txBody>
                     <a:bodyPr/>
@@ -15228,7 +15258,7 @@
                   <a:tcPr marL="40896" marR="40896" marT="0" marB="0" anchor="ctr"/>
                 </a:tc>
               </a:tr>
-              <a:tr h="171252">
+              <a:tr h="204389">
                 <a:tc>
                   <a:txBody>
                     <a:bodyPr/>
@@ -15326,7 +15356,7 @@
                   <a:tcPr marL="40896" marR="40896" marT="0" marB="0" anchor="ctr"/>
                 </a:tc>
               </a:tr>
-              <a:tr h="171252">
+              <a:tr h="204389">
                 <a:tc>
                   <a:txBody>
                     <a:bodyPr/>
@@ -15424,7 +15454,7 @@
                   <a:tcPr marL="40896" marR="40896" marT="0" marB="0" anchor="ctr"/>
                 </a:tc>
               </a:tr>
-              <a:tr h="171252">
+              <a:tr h="204389">
                 <a:tc>
                   <a:txBody>
                     <a:bodyPr/>
@@ -15534,7 +15564,7 @@
                   <a:tcPr marL="40896" marR="40896" marT="0" marB="0" anchor="ctr"/>
                 </a:tc>
               </a:tr>
-              <a:tr h="171252">
+              <a:tr h="204389">
                 <a:tc>
                   <a:txBody>
                     <a:bodyPr/>
@@ -15632,7 +15662,7 @@
                   <a:tcPr marL="40896" marR="40896" marT="0" marB="0" anchor="ctr"/>
                 </a:tc>
               </a:tr>
-              <a:tr h="171252">
+              <a:tr h="204389">
                 <a:tc>
                   <a:txBody>
                     <a:bodyPr/>
@@ -15730,7 +15760,7 @@
                   <a:tcPr marL="40896" marR="40896" marT="0" marB="0" anchor="ctr"/>
                 </a:tc>
               </a:tr>
-              <a:tr h="171252">
+              <a:tr h="204389">
                 <a:tc>
                   <a:txBody>
                     <a:bodyPr/>
@@ -15828,7 +15858,39 @@
                   <a:tcPr marL="40896" marR="40896" marT="0" marB="0" anchor="ctr"/>
                 </a:tc>
               </a:tr>
-              <a:tr h="561672">
+              <a:tr h="642989">
+                <a:tc>
+                  <a:txBody>
+                    <a:bodyPr/>
+                    <a:lstStyle/>
+                    <a:p>
+                      <a:pPr marL="0" marR="0" algn="ctr">
+                        <a:lnSpc>
+                          <a:spcPct val="150000"/>
+                        </a:lnSpc>
+                        <a:spcBef>
+                          <a:spcPts val="0"/>
+                        </a:spcBef>
+                        <a:spcAft>
+                          <a:spcPts val="0"/>
+                        </a:spcAft>
+                      </a:pPr>
+                      <a:r>
+                        <a:rPr lang="en-US" sz="1100" dirty="0">
+                          <a:effectLst/>
+                        </a:rPr>
+                        <a:t>HOF</a:t>
+                      </a:r>
+                      <a:endParaRPr lang="en-US" sz="1100" dirty="0">
+                        <a:effectLst/>
+                        <a:latin typeface="Arial" charset="0"/>
+                        <a:ea typeface="Calibri" charset="0"/>
+                        <a:cs typeface="Times New Roman" charset="0"/>
+                      </a:endParaRPr>
+                    </a:p>
+                  </a:txBody>
+                  <a:tcPr marL="40896" marR="40896" marT="0" marB="0" anchor="ctr"/>
+                </a:tc>
                 <a:tc>
                   <a:txBody>
                     <a:bodyPr/>
@@ -15849,7 +15911,7 @@
                         <a:rPr lang="en-US" sz="1100">
                           <a:effectLst/>
                         </a:rPr>
-                        <a:t>HOF</a:t>
+                        <a:t>int64</a:t>
                       </a:r>
                       <a:endParaRPr lang="en-US" sz="1100">
                         <a:effectLst/>
@@ -15881,7 +15943,45 @@
                         <a:rPr lang="en-US" sz="1100">
                           <a:effectLst/>
                         </a:rPr>
-                        <a:t>int64</a:t>
+                        <a:t>Hall of Fame Status</a:t>
+                      </a:r>
+                    </a:p>
+                    <a:p>
+                      <a:pPr marL="0" marR="0" algn="ctr">
+                        <a:lnSpc>
+                          <a:spcPct val="150000"/>
+                        </a:lnSpc>
+                        <a:spcBef>
+                          <a:spcPts val="0"/>
+                        </a:spcBef>
+                        <a:spcAft>
+                          <a:spcPts val="0"/>
+                        </a:spcAft>
+                      </a:pPr>
+                      <a:r>
+                        <a:rPr lang="en-US" sz="1100">
+                          <a:effectLst/>
+                        </a:rPr>
+                        <a:t>1 – In Hall of Fame</a:t>
+                      </a:r>
+                    </a:p>
+                    <a:p>
+                      <a:pPr marL="0" marR="0" algn="ctr">
+                        <a:lnSpc>
+                          <a:spcPct val="150000"/>
+                        </a:lnSpc>
+                        <a:spcBef>
+                          <a:spcPts val="0"/>
+                        </a:spcBef>
+                        <a:spcAft>
+                          <a:spcPts val="0"/>
+                        </a:spcAft>
+                      </a:pPr>
+                      <a:r>
+                        <a:rPr lang="en-US" sz="1100">
+                          <a:effectLst/>
+                        </a:rPr>
+                        <a:t>0 – Not in Hall of Fame</a:t>
                       </a:r>
                       <a:endParaRPr lang="en-US" sz="1100">
                         <a:effectLst/>
@@ -15893,78 +15993,8 @@
                   </a:txBody>
                   <a:tcPr marL="40896" marR="40896" marT="0" marB="0" anchor="ctr"/>
                 </a:tc>
-                <a:tc>
-                  <a:txBody>
-                    <a:bodyPr/>
-                    <a:lstStyle/>
-                    <a:p>
-                      <a:pPr marL="0" marR="0" algn="ctr">
-                        <a:lnSpc>
-                          <a:spcPct val="150000"/>
-                        </a:lnSpc>
-                        <a:spcBef>
-                          <a:spcPts val="0"/>
-                        </a:spcBef>
-                        <a:spcAft>
-                          <a:spcPts val="0"/>
-                        </a:spcAft>
-                      </a:pPr>
-                      <a:r>
-                        <a:rPr lang="en-US" sz="1100">
-                          <a:effectLst/>
-                        </a:rPr>
-                        <a:t>Hall of Fame Status</a:t>
-                      </a:r>
-                    </a:p>
-                    <a:p>
-                      <a:pPr marL="0" marR="0" algn="ctr">
-                        <a:lnSpc>
-                          <a:spcPct val="150000"/>
-                        </a:lnSpc>
-                        <a:spcBef>
-                          <a:spcPts val="0"/>
-                        </a:spcBef>
-                        <a:spcAft>
-                          <a:spcPts val="0"/>
-                        </a:spcAft>
-                      </a:pPr>
-                      <a:r>
-                        <a:rPr lang="en-US" sz="1100">
-                          <a:effectLst/>
-                        </a:rPr>
-                        <a:t>1 – In Hall of Fame</a:t>
-                      </a:r>
-                    </a:p>
-                    <a:p>
-                      <a:pPr marL="0" marR="0" algn="ctr">
-                        <a:lnSpc>
-                          <a:spcPct val="150000"/>
-                        </a:lnSpc>
-                        <a:spcBef>
-                          <a:spcPts val="0"/>
-                        </a:spcBef>
-                        <a:spcAft>
-                          <a:spcPts val="0"/>
-                        </a:spcAft>
-                      </a:pPr>
-                      <a:r>
-                        <a:rPr lang="en-US" sz="1100">
-                          <a:effectLst/>
-                        </a:rPr>
-                        <a:t>0 – Not in Hall of Fame</a:t>
-                      </a:r>
-                      <a:endParaRPr lang="en-US" sz="1100">
-                        <a:effectLst/>
-                        <a:latin typeface="Arial" charset="0"/>
-                        <a:ea typeface="Calibri" charset="0"/>
-                        <a:cs typeface="Times New Roman" charset="0"/>
-                      </a:endParaRPr>
-                    </a:p>
-                  </a:txBody>
-                  <a:tcPr marL="40896" marR="40896" marT="0" marB="0" anchor="ctr"/>
-                </a:tc>
               </a:tr>
-              <a:tr h="561672">
+              <a:tr h="642989">
                 <a:tc>
                   <a:txBody>
                     <a:bodyPr/>
@@ -16331,14 +16361,14 @@
             <p:ph idx="1"/>
             <p:extLst>
               <p:ext uri="{D42A27DB-BD31-4B8C-83A1-F6EECF244321}">
-                <p14:modId xmlns:p14="http://schemas.microsoft.com/office/powerpoint/2010/main" val="813953912"/>
+                <p14:modId xmlns:p14="http://schemas.microsoft.com/office/powerpoint/2010/main" val="1579503947"/>
               </p:ext>
             </p:extLst>
           </p:nvPr>
         </p:nvGraphicFramePr>
         <p:xfrm>
-          <a:off x="295276" y="2008187"/>
-          <a:ext cx="9856032" cy="4583102"/>
+          <a:off x="438150" y="2099627"/>
+          <a:ext cx="9856032" cy="4458970"/>
         </p:xfrm>
         <a:graphic>
           <a:graphicData uri="http://schemas.openxmlformats.org/drawingml/2006/table">
@@ -16356,7 +16386,7 @@
                 <a:gridCol w="1232004"/>
                 <a:gridCol w="1232004"/>
               </a:tblGrid>
-              <a:tr h="179567">
+              <a:tr h="166765">
                 <a:tc>
                   <a:txBody>
                     <a:bodyPr/>
@@ -16662,7 +16692,7 @@
                   <a:tcPr marL="68580" marR="68580" marT="0" marB="0" anchor="ctr"/>
                 </a:tc>
               </a:tr>
-              <a:tr h="359135">
+              <a:tr h="333530">
                 <a:tc>
                   <a:txBody>
                     <a:bodyPr/>
@@ -16920,7 +16950,7 @@
                   <a:tcPr marL="68580" marR="68580" marT="0" marB="0" anchor="ctr"/>
                 </a:tc>
               </a:tr>
-              <a:tr h="359135">
+              <a:tr h="333530">
                 <a:tc>
                   <a:txBody>
                     <a:bodyPr/>
@@ -17178,7 +17208,7 @@
                   <a:tcPr marL="68580" marR="68580" marT="0" marB="0" anchor="ctr"/>
                 </a:tc>
               </a:tr>
-              <a:tr h="359135">
+              <a:tr h="333530">
                 <a:tc>
                   <a:txBody>
                     <a:bodyPr/>
@@ -17436,7 +17466,7 @@
                   <a:tcPr marL="68580" marR="68580" marT="0" marB="0" anchor="ctr"/>
                 </a:tc>
               </a:tr>
-              <a:tr h="359135">
+              <a:tr h="333530">
                 <a:tc>
                   <a:txBody>
                     <a:bodyPr/>
@@ -17694,7 +17724,7 @@
                   <a:tcPr marL="68580" marR="68580" marT="0" marB="0" anchor="ctr"/>
                 </a:tc>
               </a:tr>
-              <a:tr h="359135">
+              <a:tr h="333530">
                 <a:tc>
                   <a:txBody>
                     <a:bodyPr/>
@@ -17952,7 +17982,7 @@
                   <a:tcPr marL="68580" marR="68580" marT="0" marB="0" anchor="ctr"/>
                 </a:tc>
               </a:tr>
-              <a:tr h="359135">
+              <a:tr h="333530">
                 <a:tc>
                   <a:txBody>
                     <a:bodyPr/>
@@ -18210,7 +18240,7 @@
                   <a:tcPr marL="68580" marR="68580" marT="0" marB="0" anchor="ctr"/>
                 </a:tc>
               </a:tr>
-              <a:tr h="359135">
+              <a:tr h="333530">
                 <a:tc>
                   <a:txBody>
                     <a:bodyPr/>
@@ -18468,7 +18498,7 @@
                   <a:tcPr marL="68580" marR="68580" marT="0" marB="0" anchor="ctr"/>
                 </a:tc>
               </a:tr>
-              <a:tr h="359135">
+              <a:tr h="333530">
                 <a:tc>
                   <a:txBody>
                     <a:bodyPr/>
@@ -18726,7 +18756,7 @@
                   <a:tcPr marL="68580" marR="68580" marT="0" marB="0" anchor="ctr"/>
                 </a:tc>
               </a:tr>
-              <a:tr h="359135">
+              <a:tr h="333530">
                 <a:tc>
                   <a:txBody>
                     <a:bodyPr/>
@@ -18984,7 +19014,7 @@
                   <a:tcPr marL="68580" marR="68580" marT="0" marB="0" anchor="ctr"/>
                 </a:tc>
               </a:tr>
-              <a:tr h="188431">
+              <a:tr h="171827">
                 <a:tc>
                   <a:txBody>
                     <a:bodyPr/>
@@ -19251,7 +19281,7 @@
                   <a:tcPr marL="68580" marR="68580" marT="0" marB="0" anchor="ctr"/>
                 </a:tc>
               </a:tr>
-              <a:tr h="359135">
+              <a:tr h="333530">
                 <a:tc>
                   <a:txBody>
                     <a:bodyPr/>
@@ -19509,7 +19539,7 @@
                   <a:tcPr marL="68580" marR="68580" marT="0" marB="0" anchor="ctr"/>
                 </a:tc>
               </a:tr>
-              <a:tr h="359135">
+              <a:tr h="333530">
                 <a:tc>
                   <a:txBody>
                     <a:bodyPr/>
@@ -19767,7 +19797,7 @@
                   <a:tcPr marL="68580" marR="68580" marT="0" marB="0" anchor="ctr"/>
                 </a:tc>
               </a:tr>
-              <a:tr h="188431">
+              <a:tr h="171827">
                 <a:tc>
                   <a:txBody>
                     <a:bodyPr/>
@@ -20038,8 +20068,8 @@
           </a:p>
         </p:txBody>
       </p:sp>
-      <mc:AlternateContent xmlns:mc="http://schemas.openxmlformats.org/markup-compatibility/2006">
-        <mc:Choice xmlns:a14="http://schemas.microsoft.com/office/drawing/2010/main" Requires="a14">
+      <mc:AlternateContent xmlns:mc="http://schemas.openxmlformats.org/markup-compatibility/2006" xmlns:a14="http://schemas.microsoft.com/office/drawing/2010/main">
+        <mc:Choice Requires="a14">
           <p:sp>
             <p:nvSpPr>
               <p:cNvPr id="3" name="Content Placeholder 2"/>
@@ -20095,6 +20125,7 @@
                         <m:ctrlPr>
                           <a:rPr lang="en-US" i="1">
                             <a:effectLst/>
+                            <a:latin typeface="Cambria Math" charset="0"/>
                           </a:rPr>
                         </m:ctrlPr>
                       </m:fPr>
@@ -20102,6 +20133,7 @@
                         <m:r>
                           <a:rPr lang="en-US" i="1">
                             <a:effectLst/>
+                            <a:latin typeface="Cambria Math" charset="0"/>
                           </a:rPr>
                           <m:t>𝑎</m:t>
                         </m:r>
@@ -20110,12 +20142,14 @@
                         <m:r>
                           <a:rPr lang="en-US" i="1">
                             <a:effectLst/>
+                            <a:latin typeface="Cambria Math" charset="0"/>
                           </a:rPr>
                           <m:t> </m:t>
                         </m:r>
                         <m:r>
                           <a:rPr lang="en-US" i="1">
                             <a:effectLst/>
+                            <a:latin typeface="Cambria Math" charset="0"/>
                           </a:rPr>
                           <m:t>𝑏</m:t>
                         </m:r>
@@ -20124,12 +20158,14 @@
                     <m:r>
                       <a:rPr lang="en-US" i="1">
                         <a:effectLst/>
+                        <a:latin typeface="Cambria Math" charset="0"/>
                       </a:rPr>
                       <m:t>=</m:t>
                     </m:r>
                     <m:r>
                       <a:rPr lang="en-US" i="1">
                         <a:effectLst/>
+                        <a:latin typeface="Cambria Math" charset="0"/>
                       </a:rPr>
                       <m:t>𝑐</m:t>
                     </m:r>
@@ -20145,96 +20181,112 @@
                     <m:r>
                       <a:rPr lang="en-US" i="1">
                         <a:effectLst/>
+                        <a:latin typeface="Cambria Math" charset="0"/>
                       </a:rPr>
                       <m:t>𝑎</m:t>
                     </m:r>
                     <m:r>
                       <a:rPr lang="en-US" i="1">
                         <a:effectLst/>
+                        <a:latin typeface="Cambria Math" charset="0"/>
                       </a:rPr>
                       <m:t>=</m:t>
                     </m:r>
                     <m:r>
                       <a:rPr lang="en-US" i="1">
                         <a:effectLst/>
+                        <a:latin typeface="Cambria Math" charset="0"/>
                       </a:rPr>
                       <m:t>𝑀𝑒𝑎𝑛</m:t>
                     </m:r>
                     <m:r>
                       <a:rPr lang="en-US" i="1">
                         <a:effectLst/>
+                        <a:latin typeface="Cambria Math" charset="0"/>
                       </a:rPr>
                       <m:t> </m:t>
                     </m:r>
                     <m:r>
                       <a:rPr lang="en-US" i="1">
                         <a:effectLst/>
+                        <a:latin typeface="Cambria Math" charset="0"/>
                       </a:rPr>
                       <m:t>𝑜𝑓</m:t>
                     </m:r>
                     <m:r>
                       <a:rPr lang="en-US" i="1">
                         <a:effectLst/>
+                        <a:latin typeface="Cambria Math" charset="0"/>
                       </a:rPr>
                       <m:t> </m:t>
                     </m:r>
                     <m:r>
                       <a:rPr lang="en-US" i="1">
                         <a:effectLst/>
+                        <a:latin typeface="Cambria Math" charset="0"/>
                       </a:rPr>
                       <m:t>𝑡h𝑒</m:t>
                     </m:r>
                     <m:r>
                       <a:rPr lang="en-US" i="1">
                         <a:effectLst/>
+                        <a:latin typeface="Cambria Math" charset="0"/>
                       </a:rPr>
                       <m:t> </m:t>
                     </m:r>
                     <m:r>
                       <a:rPr lang="en-US" i="1">
                         <a:effectLst/>
+                        <a:latin typeface="Cambria Math" charset="0"/>
                       </a:rPr>
                       <m:t>𝑡𝑜𝑝</m:t>
                     </m:r>
                     <m:r>
                       <a:rPr lang="en-US" i="1">
                         <a:effectLst/>
+                        <a:latin typeface="Cambria Math" charset="0"/>
                       </a:rPr>
                       <m:t> 15 </m:t>
                     </m:r>
                     <m:r>
                       <a:rPr lang="en-US" i="1">
                         <a:effectLst/>
+                        <a:latin typeface="Cambria Math" charset="0"/>
                       </a:rPr>
                       <m:t>𝑝𝑙𝑎𝑦𝑒𝑟𝑠</m:t>
                     </m:r>
                     <m:r>
                       <a:rPr lang="en-US" i="1">
                         <a:effectLst/>
+                        <a:latin typeface="Cambria Math" charset="0"/>
                       </a:rPr>
                       <m:t> </m:t>
                     </m:r>
                     <m:r>
                       <a:rPr lang="en-US" i="1">
                         <a:effectLst/>
+                        <a:latin typeface="Cambria Math" charset="0"/>
                       </a:rPr>
                       <m:t>𝑖𝑛</m:t>
                     </m:r>
                     <m:r>
                       <a:rPr lang="en-US" i="1">
                         <a:effectLst/>
+                        <a:latin typeface="Cambria Math" charset="0"/>
                       </a:rPr>
                       <m:t> </m:t>
                     </m:r>
                     <m:r>
                       <a:rPr lang="en-US" i="1">
                         <a:effectLst/>
+                        <a:latin typeface="Cambria Math" charset="0"/>
                       </a:rPr>
                       <m:t>𝑦𝑒𝑎𝑟</m:t>
                     </m:r>
                     <m:r>
                       <a:rPr lang="en-US" i="1">
                         <a:effectLst/>
+                        <a:latin typeface="Cambria Math" charset="0"/>
                       </a:rPr>
                       <m:t> 2016</m:t>
                     </m:r>
@@ -20256,102 +20308,119 @@
                     <m:r>
                       <a:rPr lang="en-US" i="1">
                         <a:effectLst/>
+                        <a:latin typeface="Cambria Math" charset="0"/>
                       </a:rPr>
                       <m:t>𝑏</m:t>
                     </m:r>
                     <m:r>
                       <a:rPr lang="en-US" i="1">
                         <a:effectLst/>
+                        <a:latin typeface="Cambria Math" charset="0"/>
                       </a:rPr>
                       <m:t>=</m:t>
                     </m:r>
                     <m:r>
                       <a:rPr lang="en-US" i="1">
                         <a:effectLst/>
+                        <a:latin typeface="Cambria Math" charset="0"/>
                       </a:rPr>
                       <m:t>𝑀𝑒𝑎𝑛</m:t>
                     </m:r>
                     <m:r>
                       <a:rPr lang="en-US" i="1">
                         <a:effectLst/>
+                        <a:latin typeface="Cambria Math" charset="0"/>
                       </a:rPr>
                       <m:t> </m:t>
                     </m:r>
                     <m:r>
                       <a:rPr lang="en-US" i="1">
                         <a:effectLst/>
+                        <a:latin typeface="Cambria Math" charset="0"/>
                       </a:rPr>
                       <m:t>𝑜𝑓</m:t>
                     </m:r>
                     <m:r>
                       <a:rPr lang="en-US" i="1">
                         <a:effectLst/>
+                        <a:latin typeface="Cambria Math" charset="0"/>
                       </a:rPr>
                       <m:t> </m:t>
                     </m:r>
                     <m:r>
                       <a:rPr lang="en-US" i="1">
                         <a:effectLst/>
+                        <a:latin typeface="Cambria Math" charset="0"/>
                       </a:rPr>
                       <m:t>𝑡h𝑒</m:t>
                     </m:r>
                     <m:r>
                       <a:rPr lang="en-US" i="1">
                         <a:effectLst/>
+                        <a:latin typeface="Cambria Math" charset="0"/>
                       </a:rPr>
                       <m:t> </m:t>
                     </m:r>
                     <m:r>
                       <a:rPr lang="en-US" i="1">
                         <a:effectLst/>
+                        <a:latin typeface="Cambria Math" charset="0"/>
                       </a:rPr>
                       <m:t>𝑡𝑜𝑝</m:t>
                     </m:r>
                     <m:r>
                       <a:rPr lang="en-US" i="1">
                         <a:effectLst/>
+                        <a:latin typeface="Cambria Math" charset="0"/>
                       </a:rPr>
                       <m:t> 15 </m:t>
                     </m:r>
                     <m:r>
                       <a:rPr lang="en-US" i="1">
                         <a:effectLst/>
+                        <a:latin typeface="Cambria Math" charset="0"/>
                       </a:rPr>
                       <m:t>𝑝𝑙𝑎𝑦𝑒𝑟𝑠</m:t>
                     </m:r>
                     <m:r>
                       <a:rPr lang="en-US" i="1">
                         <a:effectLst/>
+                        <a:latin typeface="Cambria Math" charset="0"/>
                       </a:rPr>
                       <m:t> </m:t>
                     </m:r>
                     <m:r>
                       <a:rPr lang="en-US" i="1">
                         <a:effectLst/>
+                        <a:latin typeface="Cambria Math" charset="0"/>
                       </a:rPr>
                       <m:t>𝑖𝑛</m:t>
                     </m:r>
                     <m:r>
                       <a:rPr lang="en-US" i="1">
                         <a:effectLst/>
+                        <a:latin typeface="Cambria Math" charset="0"/>
                       </a:rPr>
                       <m:t> </m:t>
                     </m:r>
                     <m:r>
                       <a:rPr lang="en-US" i="1">
                         <a:effectLst/>
+                        <a:latin typeface="Cambria Math" charset="0"/>
                       </a:rPr>
                       <m:t>𝑐𝑢𝑟𝑟𝑒𝑛𝑡</m:t>
                     </m:r>
                     <m:r>
                       <a:rPr lang="en-US" i="1">
                         <a:effectLst/>
+                        <a:latin typeface="Cambria Math" charset="0"/>
                       </a:rPr>
                       <m:t> </m:t>
                     </m:r>
                     <m:r>
                       <a:rPr lang="en-US" i="1">
                         <a:effectLst/>
+                        <a:latin typeface="Cambria Math" charset="0"/>
                       </a:rPr>
                       <m:t>𝑦𝑒𝑎𝑟</m:t>
                     </m:r>
@@ -20367,120 +20436,140 @@
                     <m:r>
                       <a:rPr lang="en-US" i="1">
                         <a:effectLst/>
+                        <a:latin typeface="Cambria Math" charset="0"/>
                       </a:rPr>
                       <m:t>𝑐</m:t>
                     </m:r>
                     <m:r>
                       <a:rPr lang="en-US" i="1">
                         <a:effectLst/>
+                        <a:latin typeface="Cambria Math" charset="0"/>
                       </a:rPr>
                       <m:t>=</m:t>
                     </m:r>
                     <m:r>
                       <a:rPr lang="en-US" i="1">
                         <a:effectLst/>
+                        <a:latin typeface="Cambria Math" charset="0"/>
                       </a:rPr>
                       <m:t>𝐼𝑛𝑓𝑙𝑎𝑡𝑖𝑜𝑛</m:t>
                     </m:r>
                     <m:r>
                       <a:rPr lang="en-US" i="1">
                         <a:effectLst/>
+                        <a:latin typeface="Cambria Math" charset="0"/>
                       </a:rPr>
                       <m:t> </m:t>
                     </m:r>
                     <m:r>
                       <a:rPr lang="en-US" i="1">
                         <a:effectLst/>
+                        <a:latin typeface="Cambria Math" charset="0"/>
                       </a:rPr>
                       <m:t>𝑀𝑢𝑙𝑡𝑖𝑝𝑙𝑖𝑒𝑟</m:t>
                     </m:r>
                     <m:r>
                       <a:rPr lang="en-US" i="1">
                         <a:effectLst/>
+                        <a:latin typeface="Cambria Math" charset="0"/>
                       </a:rPr>
                       <m:t> (</m:t>
                     </m:r>
                     <m:r>
                       <a:rPr lang="en-US" i="1">
                         <a:effectLst/>
+                        <a:latin typeface="Cambria Math" charset="0"/>
                       </a:rPr>
                       <m:t>𝑡h𝑖𝑠</m:t>
                     </m:r>
                     <m:r>
                       <a:rPr lang="en-US" i="1">
                         <a:effectLst/>
+                        <a:latin typeface="Cambria Math" charset="0"/>
                       </a:rPr>
                       <m:t> </m:t>
                     </m:r>
                     <m:r>
                       <a:rPr lang="en-US" i="1">
                         <a:effectLst/>
+                        <a:latin typeface="Cambria Math" charset="0"/>
                       </a:rPr>
                       <m:t>𝑖𝑠</m:t>
                     </m:r>
                     <m:r>
                       <a:rPr lang="en-US" i="1">
                         <a:effectLst/>
+                        <a:latin typeface="Cambria Math" charset="0"/>
                       </a:rPr>
                       <m:t> </m:t>
                     </m:r>
                     <m:r>
                       <a:rPr lang="en-US" i="1">
                         <a:effectLst/>
+                        <a:latin typeface="Cambria Math" charset="0"/>
                       </a:rPr>
                       <m:t>𝑚𝑢𝑙𝑡𝑖𝑝𝑙𝑖𝑒𝑑</m:t>
                     </m:r>
                     <m:r>
                       <a:rPr lang="en-US" i="1">
                         <a:effectLst/>
+                        <a:latin typeface="Cambria Math" charset="0"/>
                       </a:rPr>
                       <m:t> </m:t>
                     </m:r>
                     <m:r>
                       <a:rPr lang="en-US" i="1">
                         <a:effectLst/>
+                        <a:latin typeface="Cambria Math" charset="0"/>
                       </a:rPr>
                       <m:t>𝑏𝑦</m:t>
                     </m:r>
                     <m:r>
                       <a:rPr lang="en-US" i="1">
                         <a:effectLst/>
+                        <a:latin typeface="Cambria Math" charset="0"/>
                       </a:rPr>
                       <m:t> </m:t>
                     </m:r>
                     <m:r>
                       <a:rPr lang="en-US" i="1">
                         <a:effectLst/>
+                        <a:latin typeface="Cambria Math" charset="0"/>
                       </a:rPr>
                       <m:t>𝑡h𝑒</m:t>
                     </m:r>
                     <m:r>
                       <a:rPr lang="en-US" i="1">
                         <a:effectLst/>
+                        <a:latin typeface="Cambria Math" charset="0"/>
                       </a:rPr>
                       <m:t> </m:t>
                     </m:r>
                     <m:r>
                       <a:rPr lang="en-US" i="1">
                         <a:effectLst/>
+                        <a:latin typeface="Cambria Math" charset="0"/>
                       </a:rPr>
                       <m:t>𝑜𝑟𝑖𝑔𝑖𝑛𝑎𝑙</m:t>
                     </m:r>
                     <m:r>
                       <a:rPr lang="en-US" i="1">
                         <a:effectLst/>
+                        <a:latin typeface="Cambria Math" charset="0"/>
                       </a:rPr>
                       <m:t> </m:t>
                     </m:r>
                     <m:r>
                       <a:rPr lang="en-US" i="1">
                         <a:effectLst/>
+                        <a:latin typeface="Cambria Math" charset="0"/>
                       </a:rPr>
                       <m:t>𝑣𝑎𝑙𝑢𝑒</m:t>
                     </m:r>
                     <m:r>
                       <a:rPr lang="en-US" i="1">
                         <a:effectLst/>
+                        <a:latin typeface="Cambria Math" charset="0"/>
                       </a:rPr>
                       <m:t>)</m:t>
                     </m:r>
@@ -20496,7 +20585,7 @@
             </p:txBody>
           </p:sp>
         </mc:Choice>
-        <mc:Fallback>
+        <mc:Fallback xmlns="">
           <p:sp>
             <p:nvSpPr>
               <p:cNvPr id="3" name="Content Placeholder 2"/>
